--- a/consumption/presentation2018_1.1.pptx
+++ b/consumption/presentation2018_1.1.pptx
@@ -4094,13 +4094,51 @@
           <a:p>
             <a:r>
               <a:rPr lang="en-GB" dirty="0"/>
-              <a:t>Fred Hirsch, Social Limits to Growth (Routledge and Kegan Paul Ltd, 1977)</a:t>
-            </a:r>
-          </a:p>
-          <a:p>
+              <a:t>Fred Hirsch, </a:t>
+            </a:r>
+            <a:r>
+              <a:rPr lang="en-GB" i="1" dirty="0"/>
+              <a:t>Social Limits to Growth</a:t>
+            </a:r>
             <a:r>
               <a:rPr lang="en-GB" dirty="0"/>
-              <a:t>Robert H Frank, Choosing the Right Pond (OUP USA, 1993).</a:t>
+              <a:t> (Routledge and Kegan Paul Ltd, 1977)</a:t>
+            </a:r>
+          </a:p>
+          <a:p>
+            <a:r>
+              <a:rPr lang="en-GB" dirty="0"/>
+              <a:t>Robert H Frank, </a:t>
+            </a:r>
+            <a:r>
+              <a:rPr lang="en-GB" i="1" dirty="0"/>
+              <a:t>Choosing the Right Pond</a:t>
+            </a:r>
+            <a:r>
+              <a:rPr lang="en-GB" dirty="0"/>
+              <a:t> (OUP USA, 1993)</a:t>
+            </a:r>
+          </a:p>
+          <a:p>
+            <a:r>
+              <a:rPr lang="en-GB" dirty="0"/>
+              <a:t>Angus Deaton and John </a:t>
+            </a:r>
+            <a:r>
+              <a:rPr lang="en-GB" dirty="0" err="1"/>
+              <a:t>Muellbauer</a:t>
+            </a:r>
+            <a:r>
+              <a:rPr lang="en-GB" dirty="0"/>
+              <a:t>, </a:t>
+            </a:r>
+            <a:r>
+              <a:rPr lang="en-GB" i="1" dirty="0"/>
+              <a:t>Economics and consumer behaviour</a:t>
+            </a:r>
+            <a:r>
+              <a:rPr lang="en-GB" dirty="0"/>
+              <a:t> (Cambridge University Press, 1980)</a:t>
             </a:r>
           </a:p>
           <a:p>
@@ -4978,7 +5016,7 @@
         <p:spPr/>
         <p:txBody>
           <a:bodyPr>
-            <a:normAutofit/>
+            <a:normAutofit lnSpcReduction="10000"/>
           </a:bodyPr>
           <a:lstStyle/>
           <a:p>
@@ -5008,6 +5046,12 @@
             <a:r>
               <a:rPr lang="en-GB" dirty="0"/>
               <a:t>) making assets available for cheaper and ii) looking for new assets to replace old ones – both form the context of status consumption</a:t>
+            </a:r>
+          </a:p>
+          <a:p>
+            <a:r>
+              <a:rPr lang="en-GB" dirty="0"/>
+              <a:t>A consumer hardly purchases a item that gives status utility alone</a:t>
             </a:r>
           </a:p>
           <a:p>
@@ -5109,12 +5153,8 @@
               <a:buAutoNum type="arabicPeriod"/>
             </a:pPr>
             <a:r>
-              <a:rPr lang="en-GB" dirty="0" err="1"/>
-              <a:t>Satisifying</a:t>
-            </a:r>
-            <a:r>
               <a:rPr lang="en-GB" dirty="0"/>
-              <a:t> immediate status needs </a:t>
+              <a:t>Satisfying immediate status needs </a:t>
             </a:r>
           </a:p>
           <a:p>
@@ -5239,7 +5279,7 @@
           <a:p>
             <a:r>
               <a:rPr lang="en-GB" dirty="0"/>
-              <a:t>Empirical Issues</a:t>
+              <a:t>Issues in empirical measurement</a:t>
             </a:r>
           </a:p>
         </p:txBody>
@@ -5259,38 +5299,27 @@
           <a:bodyPr/>
           <a:lstStyle/>
           <a:p>
+            <a:r>
+              <a:rPr lang="en-GB" dirty="0"/>
+              <a:t>One cannot customise the utility function without satisfying the conditions of </a:t>
+            </a:r>
+            <a:r>
+              <a:rPr lang="en-GB" dirty="0" err="1"/>
+              <a:t>i</a:t>
+            </a:r>
+            <a:r>
+              <a:rPr lang="en-GB" dirty="0"/>
+              <a:t>) homogeneity, ii) negative-semi-definiteness of Slutsky matrix and iii) symmetry of cross-substitution effects in the corresponding demand equation.</a:t>
+            </a:r>
+          </a:p>
+          <a:p>
+            <a:r>
+              <a:rPr lang="en-GB" dirty="0"/>
+              <a:t>Barriers are not measurable – the ownership of assets (available in the LSMS) is used as a proxy for the barrier</a:t>
+            </a:r>
+          </a:p>
+          <a:p>
             <a:endParaRPr lang="en-GB" dirty="0"/>
-          </a:p>
-          <a:p>
-            <a:r>
-              <a:rPr lang="en-GB" dirty="0"/>
-              <a:t>Barriers are not measurable – the changing ownership of assets is the </a:t>
-            </a:r>
-            <a:r>
-              <a:rPr lang="en-GB" dirty="0" err="1"/>
-              <a:t>the</a:t>
-            </a:r>
-            <a:r>
-              <a:rPr lang="en-GB" dirty="0"/>
-              <a:t> only </a:t>
-            </a:r>
-            <a:r>
-              <a:rPr lang="en-GB"/>
-              <a:t>proxy for a barrier</a:t>
-            </a:r>
-            <a:endParaRPr lang="en-GB" dirty="0"/>
-          </a:p>
-          <a:p>
-            <a:r>
-              <a:rPr lang="en-GB" dirty="0"/>
-              <a:t>Arbitrary factors cannot be added to the demand equation without the rather stringent conditions of the demand equation</a:t>
-            </a:r>
-          </a:p>
-          <a:p>
-            <a:r>
-              <a:rPr lang="en-GB" dirty="0"/>
-              <a:t>Assets data (the number and type of assets owned) is recorded in the LSMS survey for every household</a:t>
-            </a:r>
           </a:p>
         </p:txBody>
       </p:sp>
@@ -5376,7 +5405,7 @@
         </p:spPr>
         <p:txBody>
           <a:bodyPr>
-            <a:normAutofit/>
+            <a:normAutofit fontScale="92500" lnSpcReduction="10000"/>
           </a:bodyPr>
           <a:lstStyle/>
           <a:p>
@@ -5397,14 +5426,22 @@
           <a:p>
             <a:r>
               <a:rPr lang="en-GB" dirty="0"/>
-              <a:t>Snob and bandwagon items are thus mirrored in a two-state budgeting model</a:t>
-            </a:r>
-          </a:p>
-          <a:p>
-            <a:endParaRPr lang="en-GB" dirty="0"/>
-          </a:p>
-          <a:p>
-            <a:endParaRPr lang="en-GB" dirty="0"/>
+              <a:t>Snob and Bandwagon items are reinterpreted as</a:t>
+            </a:r>
+          </a:p>
+          <a:p>
+            <a:pPr lvl="1"/>
+            <a:r>
+              <a:rPr lang="en-GB" dirty="0"/>
+              <a:t>Asset substitution which represents Veblen’s pecuniary emulation</a:t>
+            </a:r>
+          </a:p>
+          <a:p>
+            <a:pPr lvl="1"/>
+            <a:r>
+              <a:rPr lang="en-GB" dirty="0"/>
+              <a:t>High-price selection which represents Veblen’s invidious comparison</a:t>
+            </a:r>
           </a:p>
         </p:txBody>
       </p:sp>
@@ -5537,129 +5574,59 @@
           </a:p>
         </p:txBody>
       </p:sp>
-      <mc:AlternateContent xmlns:mc="http://schemas.openxmlformats.org/markup-compatibility/2006" xmlns:a14="http://schemas.microsoft.com/office/drawing/2010/main">
-        <mc:Choice Requires="a14">
-          <p:sp>
-            <p:nvSpPr>
-              <p:cNvPr id="3" name="Content Placeholder 2">
-                <a:extLst>
-                  <a:ext uri="{FF2B5EF4-FFF2-40B4-BE49-F238E27FC236}">
-                    <a16:creationId xmlns:a16="http://schemas.microsoft.com/office/drawing/2014/main" id="{84FEEE07-D52A-4DD5-B3F3-3052122417DC}"/>
-                  </a:ext>
-                </a:extLst>
-              </p:cNvPr>
-              <p:cNvSpPr>
-                <a:spLocks noGrp="1"/>
-              </p:cNvSpPr>
-              <p:nvPr>
-                <p:ph idx="1"/>
-              </p:nvPr>
-            </p:nvSpPr>
-            <p:spPr/>
-            <p:txBody>
-              <a:bodyPr>
-                <a:normAutofit/>
-              </a:bodyPr>
-              <a:lstStyle/>
-              <a:p>
-                <a:r>
-                  <a:rPr lang="en-GB" dirty="0"/>
-                  <a:t>Connection between two-state budgeting model and econometric methods is not very clear – we have </a:t>
-                </a:r>
-                <a14:m>
-                  <m:oMath xmlns:m="http://schemas.openxmlformats.org/officeDocument/2006/math">
-                    <m:r>
-                      <a:rPr lang="en-GB" b="0" i="1" smtClean="0">
-                        <a:latin typeface="Cambria Math" panose="02040503050406030204" pitchFamily="18" charset="0"/>
-                      </a:rPr>
-                      <m:t>𝜆</m:t>
-                    </m:r>
-                    <m:r>
-                      <a:rPr lang="en-GB" b="0" i="1" smtClean="0">
-                        <a:latin typeface="Cambria Math" panose="02040503050406030204" pitchFamily="18" charset="0"/>
-                      </a:rPr>
-                      <m:t>,</m:t>
-                    </m:r>
-                    <m:r>
-                      <a:rPr lang="en-GB" b="0" i="1" smtClean="0">
-                        <a:latin typeface="Cambria Math" panose="02040503050406030204" pitchFamily="18" charset="0"/>
-                      </a:rPr>
-                      <m:t>𝜁</m:t>
-                    </m:r>
-                  </m:oMath>
-                </a14:m>
-                <a:r>
-                  <a:rPr lang="en-GB" dirty="0"/>
-                  <a:t> that enhance map non-status utility into status utility –price differences and asset elasticities may be all that determine.</a:t>
-                </a:r>
-              </a:p>
-              <a:p>
-                <a:r>
-                  <a:rPr lang="en-GB" dirty="0"/>
-                  <a:t>Comparison of the results from the time-series data with that in developed economies</a:t>
-                </a:r>
-              </a:p>
-              <a:p>
-                <a:r>
-                  <a:rPr lang="en-GB" dirty="0"/>
-                  <a:t>Inverse Game Theory</a:t>
-                </a:r>
-              </a:p>
-              <a:p>
-                <a:r>
-                  <a:rPr lang="en-GB" dirty="0"/>
-                  <a:t>Improve and conduct a game that lets players choose between balance status and immediate needs</a:t>
-                </a:r>
-              </a:p>
-              <a:p>
-                <a:endParaRPr lang="en-GB" dirty="0"/>
-              </a:p>
-              <a:p>
-                <a:endParaRPr lang="en-GB" dirty="0"/>
-              </a:p>
-            </p:txBody>
-          </p:sp>
-        </mc:Choice>
-        <mc:Fallback xmlns="">
-          <p:sp>
-            <p:nvSpPr>
-              <p:cNvPr id="3" name="Content Placeholder 2">
-                <a:extLst>
-                  <a:ext uri="{FF2B5EF4-FFF2-40B4-BE49-F238E27FC236}">
-                    <a16:creationId xmlns:a16="http://schemas.microsoft.com/office/drawing/2014/main" id="{84FEEE07-D52A-4DD5-B3F3-3052122417DC}"/>
-                  </a:ext>
-                </a:extLst>
-              </p:cNvPr>
-              <p:cNvSpPr>
-                <a:spLocks noGrp="1" noRot="1" noChangeAspect="1" noMove="1" noResize="1" noEditPoints="1" noAdjustHandles="1" noChangeArrowheads="1" noChangeShapeType="1" noTextEdit="1"/>
-              </p:cNvSpPr>
-              <p:nvPr>
-                <p:ph idx="1"/>
-              </p:nvPr>
-            </p:nvSpPr>
-            <p:spPr>
-              <a:blipFill>
-                <a:blip r:embed="rId2"/>
-                <a:stretch>
-                  <a:fillRect l="-1043" t="-2241" r="-1739"/>
-                </a:stretch>
-              </a:blipFill>
-            </p:spPr>
-            <p:txBody>
-              <a:bodyPr/>
-              <a:lstStyle/>
-              <a:p>
-                <a:r>
-                  <a:rPr lang="en-GB">
-                    <a:noFill/>
-                  </a:rPr>
-                  <a:t> </a:t>
-                </a:r>
-              </a:p>
-            </p:txBody>
-          </p:sp>
-        </mc:Fallback>
-      </mc:AlternateContent>
+      <p:sp>
+        <p:nvSpPr>
+          <p:cNvPr id="3" name="Content Placeholder 2">
+            <a:extLst>
+              <a:ext uri="{FF2B5EF4-FFF2-40B4-BE49-F238E27FC236}">
+                <a16:creationId xmlns:a16="http://schemas.microsoft.com/office/drawing/2014/main" id="{84FEEE07-D52A-4DD5-B3F3-3052122417DC}"/>
+              </a:ext>
+            </a:extLst>
+          </p:cNvPr>
+          <p:cNvSpPr>
+            <a:spLocks noGrp="1"/>
+          </p:cNvSpPr>
+          <p:nvPr>
+            <p:ph idx="1"/>
+          </p:nvPr>
+        </p:nvSpPr>
+        <p:spPr/>
+        <p:txBody>
+          <a:bodyPr>
+            <a:normAutofit/>
+          </a:bodyPr>
+          <a:lstStyle/>
+          <a:p>
+            <a:r>
+              <a:rPr lang="en-GB" dirty="0"/>
+              <a:t>Observe effect of </a:t>
+            </a:r>
+            <a:r>
+              <a:rPr lang="en-GB"/>
+              <a:t>changing ownership of assets</a:t>
+            </a:r>
+            <a:endParaRPr lang="en-GB" dirty="0"/>
+          </a:p>
+          <a:p>
+            <a:r>
+              <a:rPr lang="en-GB" dirty="0"/>
+              <a:t>Comparison of the results from the time-series data with that in developed economies</a:t>
+            </a:r>
+          </a:p>
+          <a:p>
+            <a:r>
+              <a:rPr lang="en-GB" dirty="0"/>
+              <a:t>Conducting a game that lets players between balance status and non-status needs</a:t>
+            </a:r>
+          </a:p>
+          <a:p>
+            <a:endParaRPr lang="en-GB" dirty="0"/>
+          </a:p>
+          <a:p>
+            <a:endParaRPr lang="en-GB" dirty="0"/>
+          </a:p>
+        </p:txBody>
+      </p:sp>
       <p:sp>
         <p:nvSpPr>
           <p:cNvPr id="4" name="Slide Number Placeholder 3">
